--- a/Group_2_ML_Presentation.pptx
+++ b/Group_2_ML_Presentation.pptx
@@ -5,10 +5,10 @@
     <p:sldMasterId id="2147483648" r:id="rId4"/>
   </p:sldMasterIdLst>
   <p:notesMasterIdLst>
-    <p:notesMasterId r:id="rId18"/>
+    <p:notesMasterId r:id="rId19"/>
   </p:notesMasterIdLst>
   <p:handoutMasterIdLst>
-    <p:handoutMasterId r:id="rId19"/>
+    <p:handoutMasterId r:id="rId20"/>
   </p:handoutMasterIdLst>
   <p:sldIdLst>
     <p:sldId id="256" r:id="rId5"/>
@@ -18,12 +18,13 @@
     <p:sldId id="287" r:id="rId9"/>
     <p:sldId id="294" r:id="rId10"/>
     <p:sldId id="295" r:id="rId11"/>
-    <p:sldId id="288" r:id="rId12"/>
-    <p:sldId id="291" r:id="rId13"/>
-    <p:sldId id="289" r:id="rId14"/>
-    <p:sldId id="292" r:id="rId15"/>
-    <p:sldId id="281" r:id="rId16"/>
-    <p:sldId id="271" r:id="rId17"/>
+    <p:sldId id="296" r:id="rId12"/>
+    <p:sldId id="288" r:id="rId13"/>
+    <p:sldId id="291" r:id="rId14"/>
+    <p:sldId id="289" r:id="rId15"/>
+    <p:sldId id="292" r:id="rId16"/>
+    <p:sldId id="281" r:id="rId17"/>
+    <p:sldId id="271" r:id="rId18"/>
   </p:sldIdLst>
   <p:sldSz cx="12192000" cy="6858000"/>
   <p:notesSz cx="6858000" cy="9144000"/>
@@ -227,7 +228,7 @@
           <a:p>
             <a:fld id="{B56F32FC-4BD9-442A-A8C6-51598C909FE3}" type="datetimeFigureOut">
               <a:rPr lang="en-US" smtClean="0"/>
-              <a:t>9/9/2024</a:t>
+              <a:t>9/11/2024</a:t>
             </a:fld>
             <a:endParaRPr lang="en-US" dirty="0"/>
           </a:p>
@@ -404,7 +405,7 @@
           <a:p>
             <a:fld id="{056371FA-A98D-41E8-93F4-09945841298A}" type="datetimeFigureOut">
               <a:rPr lang="en-US" smtClean="0"/>
-              <a:t>9/9/2024</a:t>
+              <a:t>9/11/2024</a:t>
             </a:fld>
             <a:endParaRPr lang="en-US" dirty="0"/>
           </a:p>
@@ -820,7 +821,7 @@
           <a:p>
             <a:fld id="{22289C57-55D7-40A4-A101-E74FAC7A092B}" type="slidenum">
               <a:rPr lang="en-US" smtClean="0"/>
-              <a:t>12</a:t>
+              <a:t>13</a:t>
             </a:fld>
             <a:endParaRPr lang="en-US" dirty="0"/>
           </a:p>
@@ -904,7 +905,7 @@
           <a:p>
             <a:fld id="{22289C57-55D7-40A4-A101-E74FAC7A092B}" type="slidenum">
               <a:rPr lang="en-US" smtClean="0"/>
-              <a:t>13</a:t>
+              <a:t>14</a:t>
             </a:fld>
             <a:endParaRPr lang="en-US" dirty="0"/>
           </a:p>
@@ -1324,7 +1325,7 @@
           <a:p>
             <a:fld id="{22289C57-55D7-40A4-A101-E74FAC7A092B}" type="slidenum">
               <a:rPr lang="en-US" smtClean="0"/>
-              <a:t>8</a:t>
+              <a:t>9</a:t>
             </a:fld>
             <a:endParaRPr lang="en-US" dirty="0"/>
           </a:p>
@@ -1408,7 +1409,7 @@
           <a:p>
             <a:fld id="{22289C57-55D7-40A4-A101-E74FAC7A092B}" type="slidenum">
               <a:rPr lang="en-US" smtClean="0"/>
-              <a:t>9</a:t>
+              <a:t>10</a:t>
             </a:fld>
             <a:endParaRPr lang="en-US" dirty="0"/>
           </a:p>
@@ -1492,7 +1493,7 @@
           <a:p>
             <a:fld id="{22289C57-55D7-40A4-A101-E74FAC7A092B}" type="slidenum">
               <a:rPr lang="en-US" smtClean="0"/>
-              <a:t>10</a:t>
+              <a:t>11</a:t>
             </a:fld>
             <a:endParaRPr lang="en-US" dirty="0"/>
           </a:p>
@@ -1576,7 +1577,7 @@
           <a:p>
             <a:fld id="{22289C57-55D7-40A4-A101-E74FAC7A092B}" type="slidenum">
               <a:rPr lang="en-US" smtClean="0"/>
-              <a:t>11</a:t>
+              <a:t>12</a:t>
             </a:fld>
             <a:endParaRPr lang="en-US" dirty="0"/>
           </a:p>
@@ -7049,21 +7050,21 @@
           <p:cNvPr id="2" name="Title 1">
             <a:extLst>
               <a:ext uri="{FF2B5EF4-FFF2-40B4-BE49-F238E27FC236}">
-                <a16:creationId xmlns:a16="http://schemas.microsoft.com/office/drawing/2014/main" id="{9528DBD1-DB29-D44F-FD5A-3071BB37EF37}"/>
-              </a:ext>
-            </a:extLst>
-          </p:cNvPr>
-          <p:cNvSpPr>
-            <a:spLocks noGrp="1"/>
-          </p:cNvSpPr>
-          <p:nvPr>
-            <p:ph type="ctrTitle"/>
-          </p:nvPr>
-        </p:nvSpPr>
-        <p:spPr>
-          <a:xfrm>
-            <a:off x="6991350" y="487018"/>
-            <a:ext cx="5094258" cy="3377354"/>
+                <a16:creationId xmlns:a16="http://schemas.microsoft.com/office/drawing/2014/main" id="{0A32731C-311B-46F7-A865-6C3AF6B09A47}"/>
+              </a:ext>
+            </a:extLst>
+          </p:cNvPr>
+          <p:cNvSpPr>
+            <a:spLocks noGrp="1"/>
+          </p:cNvSpPr>
+          <p:nvPr>
+            <p:ph type="title"/>
+          </p:nvPr>
+        </p:nvSpPr>
+        <p:spPr>
+          <a:xfrm>
+            <a:off x="1322318" y="268360"/>
+            <a:ext cx="7288282" cy="2121177"/>
           </a:xfrm>
         </p:spPr>
         <p:txBody>
@@ -7072,15 +7073,110 @@
           <a:p>
             <a:r>
               <a:rPr lang="en-US" dirty="0"/>
-              <a:t>Future Considerations</a:t>
-            </a:r>
+              <a:t>Methodology</a:t>
+            </a:r>
+          </a:p>
+        </p:txBody>
+      </p:sp>
+      <p:sp>
+        <p:nvSpPr>
+          <p:cNvPr id="3" name="Text Placeholder 2">
+            <a:extLst>
+              <a:ext uri="{FF2B5EF4-FFF2-40B4-BE49-F238E27FC236}">
+                <a16:creationId xmlns:a16="http://schemas.microsoft.com/office/drawing/2014/main" id="{9D5232F9-FD00-464A-9F17-619C91AEF8F3}"/>
+              </a:ext>
+            </a:extLst>
+          </p:cNvPr>
+          <p:cNvSpPr>
+            <a:spLocks noGrp="1"/>
+          </p:cNvSpPr>
+          <p:nvPr>
+            <p:ph sz="half" idx="2"/>
+          </p:nvPr>
+        </p:nvSpPr>
+        <p:spPr>
+          <a:xfrm>
+            <a:off x="1322387" y="2763078"/>
+            <a:ext cx="8390955" cy="3407051"/>
+          </a:xfrm>
+        </p:spPr>
+        <p:txBody>
+          <a:bodyPr>
+            <a:normAutofit/>
+          </a:bodyPr>
+          <a:lstStyle/>
+          <a:p>
+            <a:pPr marL="342900" indent="-342900">
+              <a:buFont typeface="+mj-lt"/>
+              <a:buAutoNum type="arabicPeriod"/>
+            </a:pPr>
+            <a:r>
+              <a:rPr lang="en-US" dirty="0"/>
+              <a:t>Random Forest</a:t>
+            </a:r>
+          </a:p>
+          <a:p>
+            <a:pPr marL="342900" indent="-342900">
+              <a:buFont typeface="+mj-lt"/>
+              <a:buAutoNum type="arabicPeriod"/>
+            </a:pPr>
+            <a:r>
+              <a:rPr lang="en-US" dirty="0"/>
+              <a:t>Support Vector Machines (SVMs)</a:t>
+            </a:r>
+          </a:p>
+          <a:p>
+            <a:pPr marL="342900" indent="-342900">
+              <a:buFont typeface="+mj-lt"/>
+              <a:buAutoNum type="arabicPeriod"/>
+            </a:pPr>
+            <a:endParaRPr lang="en-US" b="0" dirty="0"/>
+          </a:p>
+          <a:p>
+            <a:pPr lvl="1"/>
+            <a:endParaRPr lang="en-US" dirty="0"/>
+          </a:p>
+        </p:txBody>
+      </p:sp>
+      <p:sp>
+        <p:nvSpPr>
+          <p:cNvPr id="14" name="Slide Number Placeholder 5">
+            <a:extLst>
+              <a:ext uri="{FF2B5EF4-FFF2-40B4-BE49-F238E27FC236}">
+                <a16:creationId xmlns:a16="http://schemas.microsoft.com/office/drawing/2014/main" id="{ECE635A2-70B8-3EAB-6A18-952B02EBAA1E}"/>
+              </a:ext>
+            </a:extLst>
+          </p:cNvPr>
+          <p:cNvSpPr>
+            <a:spLocks noGrp="1"/>
+          </p:cNvSpPr>
+          <p:nvPr>
+            <p:ph type="sldNum" sz="quarter" idx="12"/>
+          </p:nvPr>
+        </p:nvSpPr>
+        <p:spPr>
+          <a:xfrm>
+            <a:off x="10373350" y="6356349"/>
+            <a:ext cx="987552" cy="365125"/>
+          </a:xfrm>
+        </p:spPr>
+        <p:txBody>
+          <a:bodyPr/>
+          <a:lstStyle/>
+          <a:p>
+            <a:fld id="{A49DFD55-3C28-40EF-9E31-A92D2E4017FF}" type="slidenum">
+              <a:rPr lang="en-US" smtClean="0"/>
+              <a:pPr/>
+              <a:t>10</a:t>
+            </a:fld>
+            <a:endParaRPr lang="en-US" dirty="0"/>
           </a:p>
         </p:txBody>
       </p:sp>
     </p:spTree>
     <p:extLst>
       <p:ext uri="{BB962C8B-B14F-4D97-AF65-F5344CB8AC3E}">
-        <p14:creationId xmlns:p14="http://schemas.microsoft.com/office/powerpoint/2010/main" val="3676108907"/>
+        <p14:creationId xmlns:p14="http://schemas.microsoft.com/office/powerpoint/2010/main" val="1827354050"/>
       </p:ext>
     </p:extLst>
   </p:cSld>
@@ -7112,21 +7208,21 @@
           <p:cNvPr id="2" name="Title 1">
             <a:extLst>
               <a:ext uri="{FF2B5EF4-FFF2-40B4-BE49-F238E27FC236}">
-                <a16:creationId xmlns:a16="http://schemas.microsoft.com/office/drawing/2014/main" id="{0A32731C-311B-46F7-A865-6C3AF6B09A47}"/>
-              </a:ext>
-            </a:extLst>
-          </p:cNvPr>
-          <p:cNvSpPr>
-            <a:spLocks noGrp="1"/>
-          </p:cNvSpPr>
-          <p:nvPr>
-            <p:ph type="title"/>
-          </p:nvPr>
-        </p:nvSpPr>
-        <p:spPr>
-          <a:xfrm>
-            <a:off x="1322318" y="268360"/>
-            <a:ext cx="7288282" cy="2121177"/>
+                <a16:creationId xmlns:a16="http://schemas.microsoft.com/office/drawing/2014/main" id="{9528DBD1-DB29-D44F-FD5A-3071BB37EF37}"/>
+              </a:ext>
+            </a:extLst>
+          </p:cNvPr>
+          <p:cNvSpPr>
+            <a:spLocks noGrp="1"/>
+          </p:cNvSpPr>
+          <p:nvPr>
+            <p:ph type="ctrTitle"/>
+          </p:nvPr>
+        </p:nvSpPr>
+        <p:spPr>
+          <a:xfrm>
+            <a:off x="6991350" y="487018"/>
+            <a:ext cx="5094258" cy="3377354"/>
           </a:xfrm>
         </p:spPr>
         <p:txBody>
@@ -7137,81 +7233,13 @@
               <a:rPr lang="en-US" dirty="0"/>
               <a:t>Future Considerations</a:t>
             </a:r>
-          </a:p>
-        </p:txBody>
-      </p:sp>
-      <p:sp>
-        <p:nvSpPr>
-          <p:cNvPr id="3" name="Text Placeholder 2">
-            <a:extLst>
-              <a:ext uri="{FF2B5EF4-FFF2-40B4-BE49-F238E27FC236}">
-                <a16:creationId xmlns:a16="http://schemas.microsoft.com/office/drawing/2014/main" id="{9D5232F9-FD00-464A-9F17-619C91AEF8F3}"/>
-              </a:ext>
-            </a:extLst>
-          </p:cNvPr>
-          <p:cNvSpPr>
-            <a:spLocks noGrp="1"/>
-          </p:cNvSpPr>
-          <p:nvPr>
-            <p:ph sz="half" idx="2"/>
-          </p:nvPr>
-        </p:nvSpPr>
-        <p:spPr>
-          <a:xfrm>
-            <a:off x="1322388" y="2763078"/>
-            <a:ext cx="7288212" cy="3407051"/>
-          </a:xfrm>
-        </p:spPr>
-        <p:txBody>
-          <a:bodyPr>
-            <a:normAutofit/>
-          </a:bodyPr>
-          <a:lstStyle/>
-          <a:p>
-            <a:pPr lvl="1"/>
-            <a:endParaRPr lang="en-US" dirty="0"/>
-          </a:p>
-        </p:txBody>
-      </p:sp>
-      <p:sp>
-        <p:nvSpPr>
-          <p:cNvPr id="14" name="Slide Number Placeholder 5">
-            <a:extLst>
-              <a:ext uri="{FF2B5EF4-FFF2-40B4-BE49-F238E27FC236}">
-                <a16:creationId xmlns:a16="http://schemas.microsoft.com/office/drawing/2014/main" id="{ECE635A2-70B8-3EAB-6A18-952B02EBAA1E}"/>
-              </a:ext>
-            </a:extLst>
-          </p:cNvPr>
-          <p:cNvSpPr>
-            <a:spLocks noGrp="1"/>
-          </p:cNvSpPr>
-          <p:nvPr>
-            <p:ph type="sldNum" sz="quarter" idx="12"/>
-          </p:nvPr>
-        </p:nvSpPr>
-        <p:spPr>
-          <a:xfrm>
-            <a:off x="10373350" y="6356349"/>
-            <a:ext cx="987552" cy="365125"/>
-          </a:xfrm>
-        </p:spPr>
-        <p:txBody>
-          <a:bodyPr/>
-          <a:lstStyle/>
-          <a:p>
-            <a:fld id="{A49DFD55-3C28-40EF-9E31-A92D2E4017FF}" type="slidenum">
-              <a:rPr lang="en-US" smtClean="0"/>
-              <a:pPr/>
-              <a:t>11</a:t>
-            </a:fld>
-            <a:endParaRPr lang="en-US" dirty="0"/>
           </a:p>
         </p:txBody>
       </p:sp>
     </p:spTree>
     <p:extLst>
       <p:ext uri="{BB962C8B-B14F-4D97-AF65-F5344CB8AC3E}">
-        <p14:creationId xmlns:p14="http://schemas.microsoft.com/office/powerpoint/2010/main" val="3591605413"/>
+        <p14:creationId xmlns:p14="http://schemas.microsoft.com/office/powerpoint/2010/main" val="3676108907"/>
       </p:ext>
     </p:extLst>
   </p:cSld>
@@ -7243,7 +7271,7 @@
           <p:cNvPr id="2" name="Title 1">
             <a:extLst>
               <a:ext uri="{FF2B5EF4-FFF2-40B4-BE49-F238E27FC236}">
-                <a16:creationId xmlns:a16="http://schemas.microsoft.com/office/drawing/2014/main" id="{A95E2E6A-35EC-1B8E-0FD7-8C67870ACA64}"/>
+                <a16:creationId xmlns:a16="http://schemas.microsoft.com/office/drawing/2014/main" id="{0A32731C-311B-46F7-A865-6C3AF6B09A47}"/>
               </a:ext>
             </a:extLst>
           </p:cNvPr>
@@ -7256,8 +7284,8 @@
         </p:nvSpPr>
         <p:spPr>
           <a:xfrm>
-            <a:off x="2933700" y="568961"/>
-            <a:ext cx="8420100" cy="1780860"/>
+            <a:off x="1322318" y="268360"/>
+            <a:ext cx="7288282" cy="2121177"/>
           </a:xfrm>
         </p:spPr>
         <p:txBody>
@@ -7266,31 +7294,31 @@
           <a:p>
             <a:r>
               <a:rPr lang="en-US" dirty="0"/>
-              <a:t>Resources</a:t>
-            </a:r>
-          </a:p>
-        </p:txBody>
-      </p:sp>
-      <p:sp>
-        <p:nvSpPr>
-          <p:cNvPr id="35" name="Content Placeholder 34">
-            <a:extLst>
-              <a:ext uri="{FF2B5EF4-FFF2-40B4-BE49-F238E27FC236}">
-                <a16:creationId xmlns:a16="http://schemas.microsoft.com/office/drawing/2014/main" id="{EDBE6233-75E9-40D1-968F-58CA9AD0FF50}"/>
-              </a:ext>
-            </a:extLst>
-          </p:cNvPr>
-          <p:cNvSpPr>
-            <a:spLocks noGrp="1"/>
-          </p:cNvSpPr>
-          <p:nvPr>
-            <p:ph sz="half" idx="13"/>
-          </p:nvPr>
-        </p:nvSpPr>
-        <p:spPr>
-          <a:xfrm>
-            <a:off x="2933700" y="2751826"/>
-            <a:ext cx="5770353" cy="3734034"/>
+              <a:t>Future Considerations</a:t>
+            </a:r>
+          </a:p>
+        </p:txBody>
+      </p:sp>
+      <p:sp>
+        <p:nvSpPr>
+          <p:cNvPr id="3" name="Text Placeholder 2">
+            <a:extLst>
+              <a:ext uri="{FF2B5EF4-FFF2-40B4-BE49-F238E27FC236}">
+                <a16:creationId xmlns:a16="http://schemas.microsoft.com/office/drawing/2014/main" id="{9D5232F9-FD00-464A-9F17-619C91AEF8F3}"/>
+              </a:ext>
+            </a:extLst>
+          </p:cNvPr>
+          <p:cNvSpPr>
+            <a:spLocks noGrp="1"/>
+          </p:cNvSpPr>
+          <p:nvPr>
+            <p:ph sz="half" idx="2"/>
+          </p:nvPr>
+        </p:nvSpPr>
+        <p:spPr>
+          <a:xfrm>
+            <a:off x="1322388" y="2763078"/>
+            <a:ext cx="7288212" cy="3407051"/>
           </a:xfrm>
         </p:spPr>
         <p:txBody>
@@ -7299,16 +7327,17 @@
           </a:bodyPr>
           <a:lstStyle/>
           <a:p>
+            <a:pPr lvl="1"/>
             <a:endParaRPr lang="en-US" dirty="0"/>
           </a:p>
         </p:txBody>
       </p:sp>
       <p:sp>
         <p:nvSpPr>
-          <p:cNvPr id="8" name="Slide Number Placeholder 7">
-            <a:extLst>
-              <a:ext uri="{FF2B5EF4-FFF2-40B4-BE49-F238E27FC236}">
-                <a16:creationId xmlns:a16="http://schemas.microsoft.com/office/drawing/2014/main" id="{8F44A959-C2BB-9170-C99C-1A2EDB71B994}"/>
+          <p:cNvPr id="14" name="Slide Number Placeholder 5">
+            <a:extLst>
+              <a:ext uri="{FF2B5EF4-FFF2-40B4-BE49-F238E27FC236}">
+                <a16:creationId xmlns:a16="http://schemas.microsoft.com/office/drawing/2014/main" id="{ECE635A2-70B8-3EAB-6A18-952B02EBAA1E}"/>
               </a:ext>
             </a:extLst>
           </p:cNvPr>
@@ -7341,7 +7370,7 @@
     </p:spTree>
     <p:extLst>
       <p:ext uri="{BB962C8B-B14F-4D97-AF65-F5344CB8AC3E}">
-        <p14:creationId xmlns:p14="http://schemas.microsoft.com/office/powerpoint/2010/main" val="103458723"/>
+        <p14:creationId xmlns:p14="http://schemas.microsoft.com/office/powerpoint/2010/main" val="3591605413"/>
       </p:ext>
     </p:extLst>
   </p:cSld>
@@ -7373,6 +7402,136 @@
           <p:cNvPr id="2" name="Title 1">
             <a:extLst>
               <a:ext uri="{FF2B5EF4-FFF2-40B4-BE49-F238E27FC236}">
+                <a16:creationId xmlns:a16="http://schemas.microsoft.com/office/drawing/2014/main" id="{A95E2E6A-35EC-1B8E-0FD7-8C67870ACA64}"/>
+              </a:ext>
+            </a:extLst>
+          </p:cNvPr>
+          <p:cNvSpPr>
+            <a:spLocks noGrp="1"/>
+          </p:cNvSpPr>
+          <p:nvPr>
+            <p:ph type="title"/>
+          </p:nvPr>
+        </p:nvSpPr>
+        <p:spPr>
+          <a:xfrm>
+            <a:off x="2933700" y="568961"/>
+            <a:ext cx="8420100" cy="1780860"/>
+          </a:xfrm>
+        </p:spPr>
+        <p:txBody>
+          <a:bodyPr/>
+          <a:lstStyle/>
+          <a:p>
+            <a:r>
+              <a:rPr lang="en-US" dirty="0"/>
+              <a:t>Resources</a:t>
+            </a:r>
+          </a:p>
+        </p:txBody>
+      </p:sp>
+      <p:sp>
+        <p:nvSpPr>
+          <p:cNvPr id="35" name="Content Placeholder 34">
+            <a:extLst>
+              <a:ext uri="{FF2B5EF4-FFF2-40B4-BE49-F238E27FC236}">
+                <a16:creationId xmlns:a16="http://schemas.microsoft.com/office/drawing/2014/main" id="{EDBE6233-75E9-40D1-968F-58CA9AD0FF50}"/>
+              </a:ext>
+            </a:extLst>
+          </p:cNvPr>
+          <p:cNvSpPr>
+            <a:spLocks noGrp="1"/>
+          </p:cNvSpPr>
+          <p:nvPr>
+            <p:ph sz="half" idx="13"/>
+          </p:nvPr>
+        </p:nvSpPr>
+        <p:spPr>
+          <a:xfrm>
+            <a:off x="2933700" y="2751826"/>
+            <a:ext cx="5770353" cy="3734034"/>
+          </a:xfrm>
+        </p:spPr>
+        <p:txBody>
+          <a:bodyPr>
+            <a:normAutofit/>
+          </a:bodyPr>
+          <a:lstStyle/>
+          <a:p>
+            <a:endParaRPr lang="en-US" dirty="0"/>
+          </a:p>
+        </p:txBody>
+      </p:sp>
+      <p:sp>
+        <p:nvSpPr>
+          <p:cNvPr id="8" name="Slide Number Placeholder 7">
+            <a:extLst>
+              <a:ext uri="{FF2B5EF4-FFF2-40B4-BE49-F238E27FC236}">
+                <a16:creationId xmlns:a16="http://schemas.microsoft.com/office/drawing/2014/main" id="{8F44A959-C2BB-9170-C99C-1A2EDB71B994}"/>
+              </a:ext>
+            </a:extLst>
+          </p:cNvPr>
+          <p:cNvSpPr>
+            <a:spLocks noGrp="1"/>
+          </p:cNvSpPr>
+          <p:nvPr>
+            <p:ph type="sldNum" sz="quarter" idx="12"/>
+          </p:nvPr>
+        </p:nvSpPr>
+        <p:spPr>
+          <a:xfrm>
+            <a:off x="10373350" y="6356349"/>
+            <a:ext cx="987552" cy="365125"/>
+          </a:xfrm>
+        </p:spPr>
+        <p:txBody>
+          <a:bodyPr/>
+          <a:lstStyle/>
+          <a:p>
+            <a:fld id="{A49DFD55-3C28-40EF-9E31-A92D2E4017FF}" type="slidenum">
+              <a:rPr lang="en-US" smtClean="0"/>
+              <a:pPr/>
+              <a:t>13</a:t>
+            </a:fld>
+            <a:endParaRPr lang="en-US" dirty="0"/>
+          </a:p>
+        </p:txBody>
+      </p:sp>
+    </p:spTree>
+    <p:extLst>
+      <p:ext uri="{BB962C8B-B14F-4D97-AF65-F5344CB8AC3E}">
+        <p14:creationId xmlns:p14="http://schemas.microsoft.com/office/powerpoint/2010/main" val="103458723"/>
+      </p:ext>
+    </p:extLst>
+  </p:cSld>
+  <p:clrMapOvr>
+    <a:masterClrMapping/>
+  </p:clrMapOvr>
+</p:sld>
+</file>
+
+<file path=ppt/slides/slide14.xml><?xml version="1.0" encoding="utf-8"?>
+<p:sld xmlns:a="http://schemas.openxmlformats.org/drawingml/2006/main" xmlns:r="http://schemas.openxmlformats.org/officeDocument/2006/relationships" xmlns:p="http://schemas.openxmlformats.org/presentationml/2006/main">
+  <p:cSld>
+    <p:spTree>
+      <p:nvGrpSpPr>
+        <p:cNvPr id="1" name=""/>
+        <p:cNvGrpSpPr/>
+        <p:nvPr/>
+      </p:nvGrpSpPr>
+      <p:grpSpPr>
+        <a:xfrm>
+          <a:off x="0" y="0"/>
+          <a:ext cx="0" cy="0"/>
+          <a:chOff x="0" y="0"/>
+          <a:chExt cx="0" cy="0"/>
+        </a:xfrm>
+      </p:grpSpPr>
+      <p:sp>
+        <p:nvSpPr>
+          <p:cNvPr id="2" name="Title 1">
+            <a:extLst>
+              <a:ext uri="{FF2B5EF4-FFF2-40B4-BE49-F238E27FC236}">
                 <a16:creationId xmlns:a16="http://schemas.microsoft.com/office/drawing/2014/main" id="{8BDF1EDE-5423-435C-B149-87AB1BC22B83}"/>
               </a:ext>
             </a:extLst>
@@ -7474,7 +7633,7 @@
             <a:fld id="{A49DFD55-3C28-40EF-9E31-A92D2E4017FF}" type="slidenum">
               <a:rPr lang="en-US" smtClean="0"/>
               <a:pPr/>
-              <a:t>13</a:t>
+              <a:t>14</a:t>
             </a:fld>
             <a:endParaRPr lang="en-US" dirty="0"/>
           </a:p>
@@ -7820,14 +7979,14 @@
             <a:pPr lvl="1"/>
             <a:r>
               <a:rPr lang="en-US" dirty="0"/>
-              <a:t>A strong predictive result would allow us to predict the magnitude and direction of variance based on sentiment (regression)</a:t>
+              <a:t>A strong hypothesis is that the model will allow us to predict the magnitude and direction of variance based on sentiment (regression)</a:t>
             </a:r>
           </a:p>
           <a:p>
             <a:pPr lvl="1"/>
             <a:r>
               <a:rPr lang="en-US" dirty="0"/>
-              <a:t>A weak predictive result would allow us to predict the direction of variance based on sentiment (classification)</a:t>
+              <a:t>A weak hypothesis is that the model will allow us to predict the direction of variance based on sentiment (classification)</a:t>
             </a:r>
           </a:p>
         </p:txBody>
@@ -8834,6 +8993,62 @@
       </p:grpSpPr>
       <p:sp>
         <p:nvSpPr>
+          <p:cNvPr id="11" name="Isosceles Triangle 10">
+            <a:extLst>
+              <a:ext uri="{FF2B5EF4-FFF2-40B4-BE49-F238E27FC236}">
+                <a16:creationId xmlns:a16="http://schemas.microsoft.com/office/drawing/2014/main" id="{93ED0B26-008E-4C28-A13A-91C7B663B107}"/>
+              </a:ext>
+            </a:extLst>
+          </p:cNvPr>
+          <p:cNvSpPr/>
+          <p:nvPr/>
+        </p:nvSpPr>
+        <p:spPr>
+          <a:xfrm rot="16200000">
+            <a:off x="4687061" y="1719262"/>
+            <a:ext cx="1076325" cy="1866900"/>
+          </a:xfrm>
+          <a:prstGeom prst="triangle">
+            <a:avLst/>
+          </a:prstGeom>
+          <a:solidFill>
+            <a:srgbClr val="00B050">
+              <a:alpha val="38000"/>
+            </a:srgbClr>
+          </a:solidFill>
+          <a:ln>
+            <a:solidFill>
+              <a:srgbClr val="00B050"/>
+            </a:solidFill>
+          </a:ln>
+        </p:spPr>
+        <p:style>
+          <a:lnRef idx="2">
+            <a:schemeClr val="accent1">
+              <a:shade val="50000"/>
+            </a:schemeClr>
+          </a:lnRef>
+          <a:fillRef idx="1">
+            <a:schemeClr val="accent1"/>
+          </a:fillRef>
+          <a:effectRef idx="0">
+            <a:schemeClr val="accent1"/>
+          </a:effectRef>
+          <a:fontRef idx="minor">
+            <a:schemeClr val="lt1"/>
+          </a:fontRef>
+        </p:style>
+        <p:txBody>
+          <a:bodyPr rtlCol="0" anchor="ctr"/>
+          <a:lstStyle/>
+          <a:p>
+            <a:pPr algn="ctr"/>
+            <a:endParaRPr lang="en-US"/>
+          </a:p>
+        </p:txBody>
+      </p:sp>
+      <p:sp>
+        <p:nvSpPr>
           <p:cNvPr id="6" name="Title 1">
             <a:extLst>
               <a:ext uri="{FF2B5EF4-FFF2-40B4-BE49-F238E27FC236}">
@@ -8862,6 +9077,149 @@
               <a:rPr lang="en-US" dirty="0"/>
               <a:t>Data Retrieval &amp; Clean up</a:t>
             </a:r>
+            <a:br>
+              <a:rPr lang="en-US" dirty="0"/>
+            </a:br>
+            <a:r>
+              <a:rPr lang="en-US" dirty="0"/>
+              <a:t>Stock Prices</a:t>
+            </a:r>
+          </a:p>
+        </p:txBody>
+      </p:sp>
+      <p:pic>
+        <p:nvPicPr>
+          <p:cNvPr id="7" name="Picture 6">
+            <a:extLst>
+              <a:ext uri="{FF2B5EF4-FFF2-40B4-BE49-F238E27FC236}">
+                <a16:creationId xmlns:a16="http://schemas.microsoft.com/office/drawing/2014/main" id="{A11C29C2-B856-429F-8A71-A40D1C4F5A21}"/>
+              </a:ext>
+            </a:extLst>
+          </p:cNvPr>
+          <p:cNvPicPr>
+            <a:picLocks noChangeAspect="1"/>
+          </p:cNvPicPr>
+          <p:nvPr/>
+        </p:nvPicPr>
+        <p:blipFill>
+          <a:blip r:embed="rId2"/>
+          <a:stretch>
+            <a:fillRect/>
+          </a:stretch>
+        </p:blipFill>
+        <p:spPr>
+          <a:xfrm>
+            <a:off x="780916" y="1323975"/>
+            <a:ext cx="4185543" cy="5219700"/>
+          </a:xfrm>
+          <a:prstGeom prst="rect">
+            <a:avLst/>
+          </a:prstGeom>
+          <a:ln>
+            <a:solidFill>
+              <a:srgbClr val="00B050"/>
+            </a:solidFill>
+          </a:ln>
+          <a:effectLst>
+            <a:outerShdw blurRad="50800" dist="38100" dir="2700000" algn="tl" rotWithShape="0">
+              <a:prstClr val="black">
+                <a:alpha val="40000"/>
+              </a:prstClr>
+            </a:outerShdw>
+          </a:effectLst>
+        </p:spPr>
+      </p:pic>
+      <p:pic>
+        <p:nvPicPr>
+          <p:cNvPr id="9" name="Picture 8">
+            <a:extLst>
+              <a:ext uri="{FF2B5EF4-FFF2-40B4-BE49-F238E27FC236}">
+                <a16:creationId xmlns:a16="http://schemas.microsoft.com/office/drawing/2014/main" id="{38829A1E-E7B5-43B6-9364-495E0FBF4098}"/>
+              </a:ext>
+            </a:extLst>
+          </p:cNvPr>
+          <p:cNvPicPr>
+            <a:picLocks noChangeAspect="1"/>
+          </p:cNvPicPr>
+          <p:nvPr/>
+        </p:nvPicPr>
+        <p:blipFill>
+          <a:blip r:embed="rId3"/>
+          <a:stretch>
+            <a:fillRect/>
+          </a:stretch>
+        </p:blipFill>
+        <p:spPr>
+          <a:xfrm>
+            <a:off x="6158674" y="333375"/>
+            <a:ext cx="5875891" cy="6281948"/>
+          </a:xfrm>
+          <a:prstGeom prst="rect">
+            <a:avLst/>
+          </a:prstGeom>
+          <a:ln>
+            <a:solidFill>
+              <a:srgbClr val="00B050"/>
+            </a:solidFill>
+          </a:ln>
+          <a:effectLst>
+            <a:outerShdw blurRad="50800" dist="38100" dir="2700000" algn="tl" rotWithShape="0">
+              <a:prstClr val="black">
+                <a:alpha val="40000"/>
+              </a:prstClr>
+            </a:outerShdw>
+          </a:effectLst>
+        </p:spPr>
+      </p:pic>
+      <p:sp>
+        <p:nvSpPr>
+          <p:cNvPr id="10" name="Rectangle 9">
+            <a:extLst>
+              <a:ext uri="{FF2B5EF4-FFF2-40B4-BE49-F238E27FC236}">
+                <a16:creationId xmlns:a16="http://schemas.microsoft.com/office/drawing/2014/main" id="{A5E9CCE8-DA0D-4808-BBDC-F57F9F5B88B8}"/>
+              </a:ext>
+            </a:extLst>
+          </p:cNvPr>
+          <p:cNvSpPr/>
+          <p:nvPr/>
+        </p:nvSpPr>
+        <p:spPr>
+          <a:xfrm>
+            <a:off x="780916" y="2457450"/>
+            <a:ext cx="4185543" cy="390525"/>
+          </a:xfrm>
+          <a:prstGeom prst="rect">
+            <a:avLst/>
+          </a:prstGeom>
+          <a:noFill/>
+          <a:ln w="28575">
+            <a:solidFill>
+              <a:srgbClr val="00B050"/>
+            </a:solidFill>
+          </a:ln>
+        </p:spPr>
+        <p:style>
+          <a:lnRef idx="2">
+            <a:schemeClr val="accent1">
+              <a:shade val="50000"/>
+            </a:schemeClr>
+          </a:lnRef>
+          <a:fillRef idx="1">
+            <a:schemeClr val="accent1"/>
+          </a:fillRef>
+          <a:effectRef idx="0">
+            <a:schemeClr val="accent1"/>
+          </a:effectRef>
+          <a:fontRef idx="minor">
+            <a:schemeClr val="lt1"/>
+          </a:fontRef>
+        </p:style>
+        <p:txBody>
+          <a:bodyPr rtlCol="0" anchor="ctr"/>
+          <a:lstStyle/>
+          <a:p>
+            <a:pPr algn="ctr"/>
+            <a:endParaRPr lang="en-US"/>
           </a:p>
         </p:txBody>
       </p:sp>
@@ -8897,24 +9255,121 @@
       </p:grpSpPr>
       <p:sp>
         <p:nvSpPr>
-          <p:cNvPr id="2" name="Title 1">
-            <a:extLst>
-              <a:ext uri="{FF2B5EF4-FFF2-40B4-BE49-F238E27FC236}">
-                <a16:creationId xmlns:a16="http://schemas.microsoft.com/office/drawing/2014/main" id="{9528DBD1-DB29-D44F-FD5A-3071BB37EF37}"/>
-              </a:ext>
-            </a:extLst>
-          </p:cNvPr>
-          <p:cNvSpPr>
-            <a:spLocks noGrp="1"/>
-          </p:cNvSpPr>
-          <p:nvPr>
-            <p:ph type="ctrTitle"/>
-          </p:nvPr>
-        </p:nvSpPr>
-        <p:spPr>
-          <a:xfrm>
-            <a:off x="6991350" y="487018"/>
-            <a:ext cx="5094258" cy="3377354"/>
+          <p:cNvPr id="11" name="Isosceles Triangle 10">
+            <a:extLst>
+              <a:ext uri="{FF2B5EF4-FFF2-40B4-BE49-F238E27FC236}">
+                <a16:creationId xmlns:a16="http://schemas.microsoft.com/office/drawing/2014/main" id="{93ED0B26-008E-4C28-A13A-91C7B663B107}"/>
+              </a:ext>
+            </a:extLst>
+          </p:cNvPr>
+          <p:cNvSpPr/>
+          <p:nvPr/>
+        </p:nvSpPr>
+        <p:spPr>
+          <a:xfrm rot="16200000">
+            <a:off x="2018282" y="1719262"/>
+            <a:ext cx="1076325" cy="1866900"/>
+          </a:xfrm>
+          <a:prstGeom prst="triangle">
+            <a:avLst/>
+          </a:prstGeom>
+          <a:solidFill>
+            <a:srgbClr val="00B050">
+              <a:alpha val="38000"/>
+            </a:srgbClr>
+          </a:solidFill>
+          <a:ln>
+            <a:solidFill>
+              <a:srgbClr val="00B050"/>
+            </a:solidFill>
+          </a:ln>
+        </p:spPr>
+        <p:style>
+          <a:lnRef idx="2">
+            <a:schemeClr val="accent1">
+              <a:shade val="50000"/>
+            </a:schemeClr>
+          </a:lnRef>
+          <a:fillRef idx="1">
+            <a:schemeClr val="accent1"/>
+          </a:fillRef>
+          <a:effectRef idx="0">
+            <a:schemeClr val="accent1"/>
+          </a:effectRef>
+          <a:fontRef idx="minor">
+            <a:schemeClr val="lt1"/>
+          </a:fontRef>
+        </p:style>
+        <p:txBody>
+          <a:bodyPr rtlCol="0" anchor="ctr"/>
+          <a:lstStyle/>
+          <a:p>
+            <a:pPr algn="ctr"/>
+            <a:endParaRPr lang="en-US"/>
+          </a:p>
+        </p:txBody>
+      </p:sp>
+      <p:pic>
+        <p:nvPicPr>
+          <p:cNvPr id="3" name="Picture 2">
+            <a:extLst>
+              <a:ext uri="{FF2B5EF4-FFF2-40B4-BE49-F238E27FC236}">
+                <a16:creationId xmlns:a16="http://schemas.microsoft.com/office/drawing/2014/main" id="{58B04F8A-2AD2-455C-BA6A-7246FB7FF72F}"/>
+              </a:ext>
+            </a:extLst>
+          </p:cNvPr>
+          <p:cNvPicPr>
+            <a:picLocks noChangeAspect="1"/>
+          </p:cNvPicPr>
+          <p:nvPr/>
+        </p:nvPicPr>
+        <p:blipFill rotWithShape="1">
+          <a:blip r:embed="rId2"/>
+          <a:srcRect l="1" r="48925"/>
+          <a:stretch/>
+        </p:blipFill>
+        <p:spPr>
+          <a:xfrm>
+            <a:off x="86374" y="1323975"/>
+            <a:ext cx="2295309" cy="5219700"/>
+          </a:xfrm>
+          <a:prstGeom prst="rect">
+            <a:avLst/>
+          </a:prstGeom>
+          <a:ln>
+            <a:solidFill>
+              <a:srgbClr val="00B050"/>
+            </a:solidFill>
+          </a:ln>
+          <a:effectLst>
+            <a:outerShdw blurRad="50800" dist="38100" dir="2700000" algn="tl" rotWithShape="0">
+              <a:prstClr val="black">
+                <a:alpha val="40000"/>
+              </a:prstClr>
+            </a:outerShdw>
+          </a:effectLst>
+        </p:spPr>
+      </p:pic>
+      <p:sp>
+        <p:nvSpPr>
+          <p:cNvPr id="6" name="Title 1">
+            <a:extLst>
+              <a:ext uri="{FF2B5EF4-FFF2-40B4-BE49-F238E27FC236}">
+                <a16:creationId xmlns:a16="http://schemas.microsoft.com/office/drawing/2014/main" id="{E27DC805-9613-4296-B560-346642ADCF40}"/>
+              </a:ext>
+            </a:extLst>
+          </p:cNvPr>
+          <p:cNvSpPr>
+            <a:spLocks noGrp="1"/>
+          </p:cNvSpPr>
+          <p:nvPr>
+            <p:ph type="title"/>
+          </p:nvPr>
+        </p:nvSpPr>
+        <p:spPr>
+          <a:xfrm>
+            <a:off x="1322318" y="-141215"/>
+            <a:ext cx="7288282" cy="2121177"/>
           </a:xfrm>
         </p:spPr>
         <p:txBody>
@@ -8923,15 +9378,116 @@
           <a:p>
             <a:r>
               <a:rPr lang="en-US" dirty="0"/>
-              <a:t>Results</a:t>
-            </a:r>
-          </a:p>
-        </p:txBody>
-      </p:sp>
+              <a:t>Data Retrieval &amp; Clean up</a:t>
+            </a:r>
+            <a:br>
+              <a:rPr lang="en-US" dirty="0"/>
+            </a:br>
+            <a:r>
+              <a:rPr lang="en-US" dirty="0"/>
+              <a:t>Sentiment</a:t>
+            </a:r>
+          </a:p>
+        </p:txBody>
+      </p:sp>
+      <p:sp>
+        <p:nvSpPr>
+          <p:cNvPr id="10" name="Rectangle 9">
+            <a:extLst>
+              <a:ext uri="{FF2B5EF4-FFF2-40B4-BE49-F238E27FC236}">
+                <a16:creationId xmlns:a16="http://schemas.microsoft.com/office/drawing/2014/main" id="{A5E9CCE8-DA0D-4808-BBDC-F57F9F5B88B8}"/>
+              </a:ext>
+            </a:extLst>
+          </p:cNvPr>
+          <p:cNvSpPr/>
+          <p:nvPr/>
+        </p:nvSpPr>
+        <p:spPr>
+          <a:xfrm>
+            <a:off x="79158" y="2457450"/>
+            <a:ext cx="2295309" cy="390525"/>
+          </a:xfrm>
+          <a:prstGeom prst="rect">
+            <a:avLst/>
+          </a:prstGeom>
+          <a:noFill/>
+          <a:ln w="28575">
+            <a:solidFill>
+              <a:srgbClr val="00B050"/>
+            </a:solidFill>
+          </a:ln>
+        </p:spPr>
+        <p:style>
+          <a:lnRef idx="2">
+            <a:schemeClr val="accent1">
+              <a:shade val="50000"/>
+            </a:schemeClr>
+          </a:lnRef>
+          <a:fillRef idx="1">
+            <a:schemeClr val="accent1"/>
+          </a:fillRef>
+          <a:effectRef idx="0">
+            <a:schemeClr val="accent1"/>
+          </a:effectRef>
+          <a:fontRef idx="minor">
+            <a:schemeClr val="lt1"/>
+          </a:fontRef>
+        </p:style>
+        <p:txBody>
+          <a:bodyPr rtlCol="0" anchor="ctr"/>
+          <a:lstStyle/>
+          <a:p>
+            <a:pPr algn="ctr"/>
+            <a:endParaRPr lang="en-US"/>
+          </a:p>
+        </p:txBody>
+      </p:sp>
+      <p:pic>
+        <p:nvPicPr>
+          <p:cNvPr id="5" name="Picture 4">
+            <a:extLst>
+              <a:ext uri="{FF2B5EF4-FFF2-40B4-BE49-F238E27FC236}">
+                <a16:creationId xmlns:a16="http://schemas.microsoft.com/office/drawing/2014/main" id="{5C773F52-BFE0-4947-838B-4208363CEE3F}"/>
+              </a:ext>
+            </a:extLst>
+          </p:cNvPr>
+          <p:cNvPicPr>
+            <a:picLocks noChangeAspect="1"/>
+          </p:cNvPicPr>
+          <p:nvPr/>
+        </p:nvPicPr>
+        <p:blipFill>
+          <a:blip r:embed="rId3"/>
+          <a:stretch>
+            <a:fillRect/>
+          </a:stretch>
+        </p:blipFill>
+        <p:spPr>
+          <a:xfrm>
+            <a:off x="3136121" y="1161316"/>
+            <a:ext cx="8960182" cy="4984302"/>
+          </a:xfrm>
+          <a:prstGeom prst="rect">
+            <a:avLst/>
+          </a:prstGeom>
+          <a:ln>
+            <a:solidFill>
+              <a:srgbClr val="00B050"/>
+            </a:solidFill>
+          </a:ln>
+          <a:effectLst>
+            <a:outerShdw blurRad="50800" dist="38100" dir="2700000" algn="tl" rotWithShape="0">
+              <a:prstClr val="black">
+                <a:alpha val="40000"/>
+              </a:prstClr>
+            </a:outerShdw>
+          </a:effectLst>
+        </p:spPr>
+      </p:pic>
     </p:spTree>
     <p:extLst>
       <p:ext uri="{BB962C8B-B14F-4D97-AF65-F5344CB8AC3E}">
-        <p14:creationId xmlns:p14="http://schemas.microsoft.com/office/powerpoint/2010/main" val="1860774586"/>
+        <p14:creationId xmlns:p14="http://schemas.microsoft.com/office/powerpoint/2010/main" val="3218305883"/>
       </p:ext>
     </p:extLst>
   </p:cSld>
@@ -8963,21 +9519,21 @@
           <p:cNvPr id="2" name="Title 1">
             <a:extLst>
               <a:ext uri="{FF2B5EF4-FFF2-40B4-BE49-F238E27FC236}">
-                <a16:creationId xmlns:a16="http://schemas.microsoft.com/office/drawing/2014/main" id="{0A32731C-311B-46F7-A865-6C3AF6B09A47}"/>
-              </a:ext>
-            </a:extLst>
-          </p:cNvPr>
-          <p:cNvSpPr>
-            <a:spLocks noGrp="1"/>
-          </p:cNvSpPr>
-          <p:nvPr>
-            <p:ph type="title"/>
-          </p:nvPr>
-        </p:nvSpPr>
-        <p:spPr>
-          <a:xfrm>
-            <a:off x="1322318" y="268360"/>
-            <a:ext cx="7288282" cy="2121177"/>
+                <a16:creationId xmlns:a16="http://schemas.microsoft.com/office/drawing/2014/main" id="{9528DBD1-DB29-D44F-FD5A-3071BB37EF37}"/>
+              </a:ext>
+            </a:extLst>
+          </p:cNvPr>
+          <p:cNvSpPr>
+            <a:spLocks noGrp="1"/>
+          </p:cNvSpPr>
+          <p:nvPr>
+            <p:ph type="ctrTitle"/>
+          </p:nvPr>
+        </p:nvSpPr>
+        <p:spPr>
+          <a:xfrm>
+            <a:off x="6991350" y="487018"/>
+            <a:ext cx="5094258" cy="3377354"/>
           </a:xfrm>
         </p:spPr>
         <p:txBody>
@@ -8986,110 +9542,15 @@
           <a:p>
             <a:r>
               <a:rPr lang="en-US" dirty="0"/>
-              <a:t>Methodology</a:t>
-            </a:r>
-          </a:p>
-        </p:txBody>
-      </p:sp>
-      <p:sp>
-        <p:nvSpPr>
-          <p:cNvPr id="3" name="Text Placeholder 2">
-            <a:extLst>
-              <a:ext uri="{FF2B5EF4-FFF2-40B4-BE49-F238E27FC236}">
-                <a16:creationId xmlns:a16="http://schemas.microsoft.com/office/drawing/2014/main" id="{9D5232F9-FD00-464A-9F17-619C91AEF8F3}"/>
-              </a:ext>
-            </a:extLst>
-          </p:cNvPr>
-          <p:cNvSpPr>
-            <a:spLocks noGrp="1"/>
-          </p:cNvSpPr>
-          <p:nvPr>
-            <p:ph sz="half" idx="2"/>
-          </p:nvPr>
-        </p:nvSpPr>
-        <p:spPr>
-          <a:xfrm>
-            <a:off x="1322387" y="2763078"/>
-            <a:ext cx="8390955" cy="3407051"/>
-          </a:xfrm>
-        </p:spPr>
-        <p:txBody>
-          <a:bodyPr>
-            <a:normAutofit/>
-          </a:bodyPr>
-          <a:lstStyle/>
-          <a:p>
-            <a:pPr marL="342900" indent="-342900">
-              <a:buFont typeface="+mj-lt"/>
-              <a:buAutoNum type="arabicPeriod"/>
-            </a:pPr>
-            <a:r>
-              <a:rPr lang="en-US" dirty="0"/>
-              <a:t>Random Forest</a:t>
-            </a:r>
-          </a:p>
-          <a:p>
-            <a:pPr marL="342900" indent="-342900">
-              <a:buFont typeface="+mj-lt"/>
-              <a:buAutoNum type="arabicPeriod"/>
-            </a:pPr>
-            <a:r>
-              <a:rPr lang="en-US" dirty="0"/>
-              <a:t>Support Vector Machines (SVMs)</a:t>
-            </a:r>
-          </a:p>
-          <a:p>
-            <a:pPr marL="342900" indent="-342900">
-              <a:buFont typeface="+mj-lt"/>
-              <a:buAutoNum type="arabicPeriod"/>
-            </a:pPr>
-            <a:endParaRPr lang="en-US" b="0" dirty="0"/>
-          </a:p>
-          <a:p>
-            <a:pPr lvl="1"/>
-            <a:endParaRPr lang="en-US" dirty="0"/>
-          </a:p>
-        </p:txBody>
-      </p:sp>
-      <p:sp>
-        <p:nvSpPr>
-          <p:cNvPr id="14" name="Slide Number Placeholder 5">
-            <a:extLst>
-              <a:ext uri="{FF2B5EF4-FFF2-40B4-BE49-F238E27FC236}">
-                <a16:creationId xmlns:a16="http://schemas.microsoft.com/office/drawing/2014/main" id="{ECE635A2-70B8-3EAB-6A18-952B02EBAA1E}"/>
-              </a:ext>
-            </a:extLst>
-          </p:cNvPr>
-          <p:cNvSpPr>
-            <a:spLocks noGrp="1"/>
-          </p:cNvSpPr>
-          <p:nvPr>
-            <p:ph type="sldNum" sz="quarter" idx="12"/>
-          </p:nvPr>
-        </p:nvSpPr>
-        <p:spPr>
-          <a:xfrm>
-            <a:off x="10373350" y="6356349"/>
-            <a:ext cx="987552" cy="365125"/>
-          </a:xfrm>
-        </p:spPr>
-        <p:txBody>
-          <a:bodyPr/>
-          <a:lstStyle/>
-          <a:p>
-            <a:fld id="{A49DFD55-3C28-40EF-9E31-A92D2E4017FF}" type="slidenum">
-              <a:rPr lang="en-US" smtClean="0"/>
-              <a:pPr/>
-              <a:t>9</a:t>
-            </a:fld>
-            <a:endParaRPr lang="en-US" dirty="0"/>
+              <a:t>Results</a:t>
+            </a:r>
           </a:p>
         </p:txBody>
       </p:sp>
     </p:spTree>
     <p:extLst>
       <p:ext uri="{BB962C8B-B14F-4D97-AF65-F5344CB8AC3E}">
-        <p14:creationId xmlns:p14="http://schemas.microsoft.com/office/powerpoint/2010/main" val="1827354050"/>
+        <p14:creationId xmlns:p14="http://schemas.microsoft.com/office/powerpoint/2010/main" val="1860774586"/>
       </p:ext>
     </p:extLst>
   </p:cSld>
@@ -9891,6 +10352,35 @@
 </file>
 
 <file path=customXml/item1.xml><?xml version="1.0" encoding="utf-8"?>
+<p:properties xmlns:p="http://schemas.microsoft.com/office/2006/metadata/properties" xmlns:xsi="http://www.w3.org/2001/XMLSchema-instance" xmlns:pc="http://schemas.microsoft.com/office/infopath/2007/PartnerControls">
+  <documentManagement>
+    <_ip_UnifiedCompliancePolicyUIAction xmlns="http://schemas.microsoft.com/sharepoint/v3" xsi:nil="true"/>
+    <Image xmlns="71af3243-3dd4-4a8d-8c0d-dd76da1f02a5">
+      <Url xsi:nil="true"/>
+      <Description xsi:nil="true"/>
+    </Image>
+    <Status xmlns="71af3243-3dd4-4a8d-8c0d-dd76da1f02a5">Not started</Status>
+    <Background xmlns="71af3243-3dd4-4a8d-8c0d-dd76da1f02a5">false</Background>
+    <_ip_UnifiedCompliancePolicyProperties xmlns="http://schemas.microsoft.com/sharepoint/v3" xsi:nil="true"/>
+    <ImageTagsTaxHTField xmlns="71af3243-3dd4-4a8d-8c0d-dd76da1f02a5">
+      <Terms xmlns="http://schemas.microsoft.com/office/infopath/2007/PartnerControls"/>
+    </ImageTagsTaxHTField>
+    <TaxCatchAll xmlns="230e9df3-be65-4c73-a93b-d1236ebd677e" xsi:nil="true"/>
+    <MediaServiceKeyPoints xmlns="71af3243-3dd4-4a8d-8c0d-dd76da1f02a5" xsi:nil="true"/>
+  </documentManagement>
+</p:properties>
+</file>
+
+<file path=customXml/item2.xml><?xml version="1.0" encoding="utf-8"?>
+<?mso-contentType ?>
+<FormTemplates xmlns="http://schemas.microsoft.com/sharepoint/v3/contenttype/forms">
+  <Display>DocumentLibraryForm</Display>
+  <Edit>DocumentLibraryForm</Edit>
+  <New>DocumentLibraryForm</New>
+</FormTemplates>
+</file>
+
+<file path=customXml/item3.xml><?xml version="1.0" encoding="utf-8"?>
 <ct:contentTypeSchema xmlns:ct="http://schemas.microsoft.com/office/2006/metadata/contentType" xmlns:ma="http://schemas.microsoft.com/office/2006/metadata/properties/metaAttributes" ct:_="" ma:_="" ma:contentTypeName="Document" ma:contentTypeID="0x01010079F111ED35F8CC479449609E8A0923A6" ma:contentTypeVersion="28" ma:contentTypeDescription="Create a new document." ma:contentTypeScope="" ma:versionID="60f5a4f2d2b0abadcf532d48ebf9cb71">
   <xsd:schema xmlns:xsd="http://www.w3.org/2001/XMLSchema" xmlns:xs="http://www.w3.org/2001/XMLSchema" xmlns:p="http://schemas.microsoft.com/office/2006/metadata/properties" xmlns:ns1="http://schemas.microsoft.com/sharepoint/v3" xmlns:ns2="71af3243-3dd4-4a8d-8c0d-dd76da1f02a5" xmlns:ns3="16c05727-aa75-4e4a-9b5f-8a80a1165891" xmlns:ns4="230e9df3-be65-4c73-a93b-d1236ebd677e" targetNamespace="http://schemas.microsoft.com/office/2006/metadata/properties" ma:root="true" ma:fieldsID="7dd78129e6a1811f84807ad11c651531" ns1:_="" ns2:_="" ns3:_="" ns4:_="">
     <xsd:import namespace="http://schemas.microsoft.com/sharepoint/v3"/>
@@ -10202,36 +10692,27 @@
 </ct:contentTypeSchema>
 </file>
 
-<file path=customXml/item2.xml><?xml version="1.0" encoding="utf-8"?>
-<?mso-contentType ?>
-<FormTemplates xmlns="http://schemas.microsoft.com/sharepoint/v3/contenttype/forms">
-  <Display>DocumentLibraryForm</Display>
-  <Edit>DocumentLibraryForm</Edit>
-  <New>DocumentLibraryForm</New>
-</FormTemplates>
+<file path=customXml/itemProps1.xml><?xml version="1.0" encoding="utf-8"?>
+<ds:datastoreItem xmlns:ds="http://schemas.openxmlformats.org/officeDocument/2006/customXml" ds:itemID="{49168DCE-134F-4610-A6AA-88CEBE8D71D2}">
+  <ds:schemaRefs>
+    <ds:schemaRef ds:uri="http://schemas.microsoft.com/office/2006/metadata/properties"/>
+    <ds:schemaRef ds:uri="http://schemas.microsoft.com/office/infopath/2007/PartnerControls"/>
+    <ds:schemaRef ds:uri="http://schemas.microsoft.com/sharepoint/v3"/>
+    <ds:schemaRef ds:uri="71af3243-3dd4-4a8d-8c0d-dd76da1f02a5"/>
+    <ds:schemaRef ds:uri="230e9df3-be65-4c73-a93b-d1236ebd677e"/>
+  </ds:schemaRefs>
+</ds:datastoreItem>
 </file>
 
-<file path=customXml/item3.xml><?xml version="1.0" encoding="utf-8"?>
-<p:properties xmlns:p="http://schemas.microsoft.com/office/2006/metadata/properties" xmlns:xsi="http://www.w3.org/2001/XMLSchema-instance" xmlns:pc="http://schemas.microsoft.com/office/infopath/2007/PartnerControls">
-  <documentManagement>
-    <_ip_UnifiedCompliancePolicyUIAction xmlns="http://schemas.microsoft.com/sharepoint/v3" xsi:nil="true"/>
-    <Image xmlns="71af3243-3dd4-4a8d-8c0d-dd76da1f02a5">
-      <Url xsi:nil="true"/>
-      <Description xsi:nil="true"/>
-    </Image>
-    <Status xmlns="71af3243-3dd4-4a8d-8c0d-dd76da1f02a5">Not started</Status>
-    <Background xmlns="71af3243-3dd4-4a8d-8c0d-dd76da1f02a5">false</Background>
-    <_ip_UnifiedCompliancePolicyProperties xmlns="http://schemas.microsoft.com/sharepoint/v3" xsi:nil="true"/>
-    <ImageTagsTaxHTField xmlns="71af3243-3dd4-4a8d-8c0d-dd76da1f02a5">
-      <Terms xmlns="http://schemas.microsoft.com/office/infopath/2007/PartnerControls"/>
-    </ImageTagsTaxHTField>
-    <TaxCatchAll xmlns="230e9df3-be65-4c73-a93b-d1236ebd677e" xsi:nil="true"/>
-    <MediaServiceKeyPoints xmlns="71af3243-3dd4-4a8d-8c0d-dd76da1f02a5" xsi:nil="true"/>
-  </documentManagement>
-</p:properties>
+<file path=customXml/itemProps2.xml><?xml version="1.0" encoding="utf-8"?>
+<ds:datastoreItem xmlns:ds="http://schemas.openxmlformats.org/officeDocument/2006/customXml" ds:itemID="{CABF691C-888B-4061-8A6F-D5CE84A0254B}">
+  <ds:schemaRefs>
+    <ds:schemaRef ds:uri="http://schemas.microsoft.com/sharepoint/v3/contenttype/forms"/>
+  </ds:schemaRefs>
+</ds:datastoreItem>
 </file>
 
-<file path=customXml/itemProps1.xml><?xml version="1.0" encoding="utf-8"?>
+<file path=customXml/itemProps3.xml><?xml version="1.0" encoding="utf-8"?>
 <ds:datastoreItem xmlns:ds="http://schemas.openxmlformats.org/officeDocument/2006/customXml" ds:itemID="{5EDE3176-A15D-46A3-BDDB-64A0D7363224}">
   <ds:schemaRefs>
     <ds:schemaRef ds:uri="http://schemas.microsoft.com/office/2006/metadata/contentType"/>
@@ -10252,26 +10733,6 @@
 </ds:datastoreItem>
 </file>
 
-<file path=customXml/itemProps2.xml><?xml version="1.0" encoding="utf-8"?>
-<ds:datastoreItem xmlns:ds="http://schemas.openxmlformats.org/officeDocument/2006/customXml" ds:itemID="{CABF691C-888B-4061-8A6F-D5CE84A0254B}">
-  <ds:schemaRefs>
-    <ds:schemaRef ds:uri="http://schemas.microsoft.com/sharepoint/v3/contenttype/forms"/>
-  </ds:schemaRefs>
-</ds:datastoreItem>
-</file>
-
-<file path=customXml/itemProps3.xml><?xml version="1.0" encoding="utf-8"?>
-<ds:datastoreItem xmlns:ds="http://schemas.openxmlformats.org/officeDocument/2006/customXml" ds:itemID="{49168DCE-134F-4610-A6AA-88CEBE8D71D2}">
-  <ds:schemaRefs>
-    <ds:schemaRef ds:uri="http://schemas.microsoft.com/office/2006/metadata/properties"/>
-    <ds:schemaRef ds:uri="http://schemas.microsoft.com/office/infopath/2007/PartnerControls"/>
-    <ds:schemaRef ds:uri="http://schemas.microsoft.com/sharepoint/v3"/>
-    <ds:schemaRef ds:uri="71af3243-3dd4-4a8d-8c0d-dd76da1f02a5"/>
-    <ds:schemaRef ds:uri="230e9df3-be65-4c73-a93b-d1236ebd677e"/>
-  </ds:schemaRefs>
-</ds:datastoreItem>
-</file>
-
 <file path=docMetadata/LabelInfo.xml><?xml version="1.0" encoding="utf-8"?>
 <clbl:labelList xmlns:clbl="http://schemas.microsoft.com/office/2020/mipLabelMetadata"/>
 </file>